--- a/宣道詩/(宣道詩137) 願主同住.pptx
+++ b/宣道詩/(宣道詩137) 願主同住.pptx
@@ -146,7 +146,7 @@
   </p:defaultTextStyle>
   <p:extLst>
     <p:ext uri="{EFAFB233-063F-42B5-8137-9DF3F51BA10A}">
-      <p15:sldGuideLst xmlns:p15="http://schemas.microsoft.com/office/powerpoint/2012/main">
+      <p15:sldGuideLst xmlns:p15="http://schemas.microsoft.com/office/powerpoint/2012/main" xmlns="">
         <p15:guide id="1" orient="horz" pos="2268" userDrawn="1">
           <p15:clr>
             <a:srgbClr val="A4A3A4"/>
@@ -307,6 +307,7 @@
           <a:p>
             <a:fld id="{50305E07-67EA-4042-A3F6-853A8AD8D209}" type="slidenum">
               <a:rPr lang="en-US" smtClean="0"/>
+              <a:pPr/>
               <a:t>‹#›</a:t>
             </a:fld>
             <a:endParaRPr lang="en-US"/>
@@ -558,6 +559,7 @@
           <a:p>
             <a:fld id="{789453B0-9DF3-4847-AF80-E61FDDFE7134}" type="slidenum">
               <a:rPr lang="zh-TW" altLang="en-US" smtClean="0"/>
+              <a:pPr/>
               <a:t>‹#›</a:t>
             </a:fld>
             <a:endParaRPr lang="zh-TW" altLang="en-US"/>
@@ -890,6 +892,9 @@
             </a:pPr>
             <a:fld id="{9B0C4BEA-116E-4A46-BBD1-DB16043DE460}" type="slidenum">
               <a:rPr lang="en-US" altLang="zh-TW" smtClean="0"/>
+              <a:pPr>
+                <a:defRPr/>
+              </a:pPr>
               <a:t>‹#›</a:t>
             </a:fld>
             <a:endParaRPr lang="en-US" altLang="zh-TW"/>
@@ -899,7 +904,7 @@
     </p:spTree>
     <p:extLst>
       <p:ext uri="{BB962C8B-B14F-4D97-AF65-F5344CB8AC3E}">
-        <p14:creationId xmlns:p14="http://schemas.microsoft.com/office/powerpoint/2010/main" val="2298472435"/>
+        <p14:creationId xmlns:p14="http://schemas.microsoft.com/office/powerpoint/2010/main" xmlns="" val="2298472435"/>
       </p:ext>
     </p:extLst>
   </p:cSld>
@@ -1065,6 +1070,9 @@
             </a:pPr>
             <a:fld id="{ACE7D3E4-89F3-4CED-A48A-023A05B8B9D6}" type="slidenum">
               <a:rPr lang="en-US" altLang="zh-TW" smtClean="0"/>
+              <a:pPr>
+                <a:defRPr/>
+              </a:pPr>
               <a:t>‹#›</a:t>
             </a:fld>
             <a:endParaRPr lang="en-US" altLang="zh-TW"/>
@@ -1074,7 +1082,7 @@
     </p:spTree>
     <p:extLst>
       <p:ext uri="{BB962C8B-B14F-4D97-AF65-F5344CB8AC3E}">
-        <p14:creationId xmlns:p14="http://schemas.microsoft.com/office/powerpoint/2010/main" val="2967734044"/>
+        <p14:creationId xmlns:p14="http://schemas.microsoft.com/office/powerpoint/2010/main" xmlns="" val="2967734044"/>
       </p:ext>
     </p:extLst>
   </p:cSld>
@@ -1250,6 +1258,9 @@
             </a:pPr>
             <a:fld id="{E03267DE-EE7E-471A-A40B-FAAFF4920C61}" type="slidenum">
               <a:rPr lang="en-US" altLang="zh-TW" smtClean="0"/>
+              <a:pPr>
+                <a:defRPr/>
+              </a:pPr>
               <a:t>‹#›</a:t>
             </a:fld>
             <a:endParaRPr lang="en-US" altLang="zh-TW"/>
@@ -1259,7 +1270,7 @@
     </p:spTree>
     <p:extLst>
       <p:ext uri="{BB962C8B-B14F-4D97-AF65-F5344CB8AC3E}">
-        <p14:creationId xmlns:p14="http://schemas.microsoft.com/office/powerpoint/2010/main" val="2268822859"/>
+        <p14:creationId xmlns:p14="http://schemas.microsoft.com/office/powerpoint/2010/main" xmlns="" val="2268822859"/>
       </p:ext>
     </p:extLst>
   </p:cSld>
@@ -1425,6 +1436,9 @@
             </a:pPr>
             <a:fld id="{8B1D29A9-78CF-43D9-96E6-EC61B25CAC04}" type="slidenum">
               <a:rPr lang="en-US" altLang="zh-TW" smtClean="0"/>
+              <a:pPr>
+                <a:defRPr/>
+              </a:pPr>
               <a:t>‹#›</a:t>
             </a:fld>
             <a:endParaRPr lang="en-US" altLang="zh-TW"/>
@@ -1434,7 +1448,7 @@
     </p:spTree>
     <p:extLst>
       <p:ext uri="{BB962C8B-B14F-4D97-AF65-F5344CB8AC3E}">
-        <p14:creationId xmlns:p14="http://schemas.microsoft.com/office/powerpoint/2010/main" val="4236077572"/>
+        <p14:creationId xmlns:p14="http://schemas.microsoft.com/office/powerpoint/2010/main" xmlns="" val="4236077572"/>
       </p:ext>
     </p:extLst>
   </p:cSld>
@@ -1676,6 +1690,9 @@
             </a:pPr>
             <a:fld id="{F8642490-7E29-4483-9A31-EFF80A070D56}" type="slidenum">
               <a:rPr lang="en-US" altLang="zh-TW" smtClean="0"/>
+              <a:pPr>
+                <a:defRPr/>
+              </a:pPr>
               <a:t>‹#›</a:t>
             </a:fld>
             <a:endParaRPr lang="en-US" altLang="zh-TW"/>
@@ -1685,7 +1702,7 @@
     </p:spTree>
     <p:extLst>
       <p:ext uri="{BB962C8B-B14F-4D97-AF65-F5344CB8AC3E}">
-        <p14:creationId xmlns:p14="http://schemas.microsoft.com/office/powerpoint/2010/main" val="942301216"/>
+        <p14:creationId xmlns:p14="http://schemas.microsoft.com/office/powerpoint/2010/main" xmlns="" val="942301216"/>
       </p:ext>
     </p:extLst>
   </p:cSld>
@@ -1969,6 +1986,9 @@
             </a:pPr>
             <a:fld id="{BD66FBA3-C5B6-4ABE-B006-3071EDE08652}" type="slidenum">
               <a:rPr lang="en-US" altLang="zh-TW" smtClean="0"/>
+              <a:pPr>
+                <a:defRPr/>
+              </a:pPr>
               <a:t>‹#›</a:t>
             </a:fld>
             <a:endParaRPr lang="en-US" altLang="zh-TW"/>
@@ -1978,7 +1998,7 @@
     </p:spTree>
     <p:extLst>
       <p:ext uri="{BB962C8B-B14F-4D97-AF65-F5344CB8AC3E}">
-        <p14:creationId xmlns:p14="http://schemas.microsoft.com/office/powerpoint/2010/main" val="2529026439"/>
+        <p14:creationId xmlns:p14="http://schemas.microsoft.com/office/powerpoint/2010/main" xmlns="" val="2529026439"/>
       </p:ext>
     </p:extLst>
   </p:cSld>
@@ -2396,6 +2416,9 @@
             </a:pPr>
             <a:fld id="{EAD6F40A-D4BD-4CFE-9F04-3E5B79AD6394}" type="slidenum">
               <a:rPr lang="en-US" altLang="zh-TW" smtClean="0"/>
+              <a:pPr>
+                <a:defRPr/>
+              </a:pPr>
               <a:t>‹#›</a:t>
             </a:fld>
             <a:endParaRPr lang="en-US" altLang="zh-TW"/>
@@ -2405,7 +2428,7 @@
     </p:spTree>
     <p:extLst>
       <p:ext uri="{BB962C8B-B14F-4D97-AF65-F5344CB8AC3E}">
-        <p14:creationId xmlns:p14="http://schemas.microsoft.com/office/powerpoint/2010/main" val="2934099424"/>
+        <p14:creationId xmlns:p14="http://schemas.microsoft.com/office/powerpoint/2010/main" xmlns="" val="2934099424"/>
       </p:ext>
     </p:extLst>
   </p:cSld>
@@ -2519,6 +2542,9 @@
             </a:pPr>
             <a:fld id="{676EE02C-5D35-4378-8340-C70FEDA343E6}" type="slidenum">
               <a:rPr lang="en-US" altLang="zh-TW" smtClean="0"/>
+              <a:pPr>
+                <a:defRPr/>
+              </a:pPr>
               <a:t>‹#›</a:t>
             </a:fld>
             <a:endParaRPr lang="en-US" altLang="zh-TW"/>
@@ -2528,7 +2554,7 @@
     </p:spTree>
     <p:extLst>
       <p:ext uri="{BB962C8B-B14F-4D97-AF65-F5344CB8AC3E}">
-        <p14:creationId xmlns:p14="http://schemas.microsoft.com/office/powerpoint/2010/main" val="1779375210"/>
+        <p14:creationId xmlns:p14="http://schemas.microsoft.com/office/powerpoint/2010/main" xmlns="" val="1779375210"/>
       </p:ext>
     </p:extLst>
   </p:cSld>
@@ -2619,6 +2645,9 @@
             </a:pPr>
             <a:fld id="{EB50ADB6-12FA-47A2-8F8B-679B72FFE344}" type="slidenum">
               <a:rPr lang="en-US" altLang="zh-TW" smtClean="0"/>
+              <a:pPr>
+                <a:defRPr/>
+              </a:pPr>
               <a:t>‹#›</a:t>
             </a:fld>
             <a:endParaRPr lang="en-US" altLang="zh-TW"/>
@@ -2628,7 +2657,7 @@
     </p:spTree>
     <p:extLst>
       <p:ext uri="{BB962C8B-B14F-4D97-AF65-F5344CB8AC3E}">
-        <p14:creationId xmlns:p14="http://schemas.microsoft.com/office/powerpoint/2010/main" val="558116906"/>
+        <p14:creationId xmlns:p14="http://schemas.microsoft.com/office/powerpoint/2010/main" xmlns="" val="558116906"/>
       </p:ext>
     </p:extLst>
   </p:cSld>
@@ -2901,6 +2930,9 @@
             </a:pPr>
             <a:fld id="{6F0F8A50-B2C4-4226-B3AC-3C570B2B9CE0}" type="slidenum">
               <a:rPr lang="en-US" altLang="zh-TW" smtClean="0"/>
+              <a:pPr>
+                <a:defRPr/>
+              </a:pPr>
               <a:t>‹#›</a:t>
             </a:fld>
             <a:endParaRPr lang="en-US" altLang="zh-TW"/>
@@ -2910,7 +2942,7 @@
     </p:spTree>
     <p:extLst>
       <p:ext uri="{BB962C8B-B14F-4D97-AF65-F5344CB8AC3E}">
-        <p14:creationId xmlns:p14="http://schemas.microsoft.com/office/powerpoint/2010/main" val="1603949145"/>
+        <p14:creationId xmlns:p14="http://schemas.microsoft.com/office/powerpoint/2010/main" xmlns="" val="1603949145"/>
       </p:ext>
     </p:extLst>
   </p:cSld>
@@ -3163,6 +3195,9 @@
             </a:pPr>
             <a:fld id="{58F35931-D635-4C49-A97E-2F28EAA6FE94}" type="slidenum">
               <a:rPr lang="en-US" altLang="zh-TW" smtClean="0"/>
+              <a:pPr>
+                <a:defRPr/>
+              </a:pPr>
               <a:t>‹#›</a:t>
             </a:fld>
             <a:endParaRPr lang="en-US" altLang="zh-TW"/>
@@ -3172,7 +3207,7 @@
     </p:spTree>
     <p:extLst>
       <p:ext uri="{BB962C8B-B14F-4D97-AF65-F5344CB8AC3E}">
-        <p14:creationId xmlns:p14="http://schemas.microsoft.com/office/powerpoint/2010/main" val="2446907955"/>
+        <p14:creationId xmlns:p14="http://schemas.microsoft.com/office/powerpoint/2010/main" xmlns="" val="2446907955"/>
       </p:ext>
     </p:extLst>
   </p:cSld>
@@ -3422,6 +3457,9 @@
             </a:pPr>
             <a:fld id="{B24E0EF9-2ADF-4FFE-B22E-4DD3F4BA4B81}" type="slidenum">
               <a:rPr lang="en-US" altLang="zh-TW" smtClean="0"/>
+              <a:pPr>
+                <a:defRPr/>
+              </a:pPr>
               <a:t>‹#›</a:t>
             </a:fld>
             <a:endParaRPr lang="en-US" altLang="zh-TW"/>
@@ -3431,7 +3469,7 @@
     </p:spTree>
     <p:extLst>
       <p:ext uri="{BB962C8B-B14F-4D97-AF65-F5344CB8AC3E}">
-        <p14:creationId xmlns:p14="http://schemas.microsoft.com/office/powerpoint/2010/main" val="3544697360"/>
+        <p14:creationId xmlns:p14="http://schemas.microsoft.com/office/powerpoint/2010/main" xmlns="" val="3544697360"/>
       </p:ext>
     </p:extLst>
   </p:cSld>
@@ -3797,7 +3835,17 @@
                 <a:latin typeface="Microsoft JhengHei" panose="020B0604030504040204" pitchFamily="34" charset="-120"/>
                 <a:ea typeface="Microsoft JhengHei" panose="020B0604030504040204" pitchFamily="34" charset="-120"/>
               </a:rPr>
-              <a:t>日已西</a:t>
+              <a:t>日已西沉</a:t>
+            </a:r>
+            <a:r>
+              <a:rPr lang="en-US" altLang="zh-CN" sz="5400" b="1" dirty="0">
+                <a:solidFill>
+                  <a:srgbClr val="002060"/>
+                </a:solidFill>
+                <a:latin typeface="Microsoft JhengHei" panose="020B0604030504040204" pitchFamily="34" charset="-120"/>
+                <a:ea typeface="Microsoft JhengHei" panose="020B0604030504040204" pitchFamily="34" charset="-120"/>
+              </a:rPr>
+              <a:t>  </a:t>
             </a:r>
             <a:r>
               <a:rPr lang="zh-CN" altLang="zh-TW" sz="5400" b="1" dirty="0">
@@ -3807,7 +3855,22 @@
                 <a:latin typeface="Microsoft JhengHei" panose="020B0604030504040204" pitchFamily="34" charset="-120"/>
                 <a:ea typeface="Microsoft JhengHei" panose="020B0604030504040204" pitchFamily="34" charset="-120"/>
               </a:rPr>
-              <a:t>沉</a:t>
+              <a:t>願主與我同住</a:t>
+            </a:r>
+          </a:p>
+          <a:p>
+            <a:pPr marL="0" indent="0" algn="ctr">
+              <a:buNone/>
+            </a:pPr>
+            <a:r>
+              <a:rPr lang="zh-CN" altLang="zh-TW" sz="5400" b="1" dirty="0">
+                <a:solidFill>
+                  <a:srgbClr val="002060"/>
+                </a:solidFill>
+                <a:latin typeface="Microsoft JhengHei" panose="020B0604030504040204" pitchFamily="34" charset="-120"/>
+                <a:ea typeface="Microsoft JhengHei" panose="020B0604030504040204" pitchFamily="34" charset="-120"/>
+              </a:rPr>
+              <a:t>黃昏將近</a:t>
             </a:r>
             <a:r>
               <a:rPr lang="en-US" altLang="zh-CN" sz="5400" b="1" dirty="0">
@@ -3827,82 +3890,7 @@
                 <a:latin typeface="Microsoft JhengHei" panose="020B0604030504040204" pitchFamily="34" charset="-120"/>
                 <a:ea typeface="Microsoft JhengHei" panose="020B0604030504040204" pitchFamily="34" charset="-120"/>
               </a:rPr>
-              <a:t>願</a:t>
-            </a:r>
-            <a:r>
-              <a:rPr lang="zh-CN" altLang="zh-TW" sz="5400" b="1" dirty="0">
-                <a:solidFill>
-                  <a:srgbClr val="002060"/>
-                </a:solidFill>
-                <a:latin typeface="Microsoft JhengHei" panose="020B0604030504040204" pitchFamily="34" charset="-120"/>
-                <a:ea typeface="Microsoft JhengHei" panose="020B0604030504040204" pitchFamily="34" charset="-120"/>
-              </a:rPr>
-              <a:t>主與我同住</a:t>
-            </a:r>
-          </a:p>
-          <a:p>
-            <a:pPr marL="0" indent="0" algn="ctr">
-              <a:buNone/>
-            </a:pPr>
-            <a:r>
-              <a:rPr lang="zh-CN" altLang="zh-TW" sz="5400" b="1" dirty="0">
-                <a:solidFill>
-                  <a:srgbClr val="002060"/>
-                </a:solidFill>
-                <a:latin typeface="Microsoft JhengHei" panose="020B0604030504040204" pitchFamily="34" charset="-120"/>
-                <a:ea typeface="Microsoft JhengHei" panose="020B0604030504040204" pitchFamily="34" charset="-120"/>
-              </a:rPr>
-              <a:t>黃昏將</a:t>
-            </a:r>
-            <a:r>
-              <a:rPr lang="zh-CN" altLang="zh-TW" sz="5400" b="1" dirty="0">
-                <a:solidFill>
-                  <a:srgbClr val="002060"/>
-                </a:solidFill>
-                <a:latin typeface="Microsoft JhengHei" panose="020B0604030504040204" pitchFamily="34" charset="-120"/>
-                <a:ea typeface="Microsoft JhengHei" panose="020B0604030504040204" pitchFamily="34" charset="-120"/>
-              </a:rPr>
-              <a:t>近</a:t>
-            </a:r>
-            <a:r>
-              <a:rPr lang="en-US" altLang="zh-CN" sz="5400" b="1" dirty="0">
-                <a:solidFill>
-                  <a:srgbClr val="002060"/>
-                </a:solidFill>
-                <a:latin typeface="Microsoft JhengHei" panose="020B0604030504040204" pitchFamily="34" charset="-120"/>
-                <a:ea typeface="Microsoft JhengHei" panose="020B0604030504040204" pitchFamily="34" charset="-120"/>
-              </a:rPr>
-              <a:t>  </a:t>
-            </a:r>
-            <a:r>
-              <a:rPr lang="zh-CN" altLang="zh-TW" sz="5400" b="1" dirty="0">
-                <a:solidFill>
-                  <a:srgbClr val="002060"/>
-                </a:solidFill>
-                <a:latin typeface="Microsoft JhengHei" panose="020B0604030504040204" pitchFamily="34" charset="-120"/>
-                <a:ea typeface="Microsoft JhengHei" panose="020B0604030504040204" pitchFamily="34" charset="-120"/>
-              </a:rPr>
-              <a:t>求</a:t>
-            </a:r>
-            <a:r>
-              <a:rPr lang="zh-CN" altLang="zh-TW" sz="5400" b="1" dirty="0">
-                <a:solidFill>
-                  <a:srgbClr val="002060"/>
-                </a:solidFill>
-                <a:latin typeface="Microsoft JhengHei" panose="020B0604030504040204" pitchFamily="34" charset="-120"/>
-                <a:ea typeface="Microsoft JhengHei" panose="020B0604030504040204" pitchFamily="34" charset="-120"/>
-              </a:rPr>
-              <a:t>主勿往他</a:t>
-            </a:r>
-            <a:r>
-              <a:rPr lang="zh-CN" altLang="zh-TW" sz="5400" b="1" dirty="0">
-                <a:solidFill>
-                  <a:srgbClr val="002060"/>
-                </a:solidFill>
-                <a:latin typeface="Microsoft JhengHei" panose="020B0604030504040204" pitchFamily="34" charset="-120"/>
-                <a:ea typeface="Microsoft JhengHei" panose="020B0604030504040204" pitchFamily="34" charset="-120"/>
-              </a:rPr>
-              <a:t>處</a:t>
+              <a:t>求主勿往他處</a:t>
             </a:r>
             <a:endParaRPr lang="en-US" altLang="zh-CN" sz="5400" b="1" dirty="0">
               <a:solidFill>
@@ -3924,8 +3912,13 @@
                 <a:latin typeface="Microsoft JhengHei" panose="020B0604030504040204" pitchFamily="34" charset="-120"/>
                 <a:ea typeface="Microsoft JhengHei" panose="020B0604030504040204" pitchFamily="34" charset="-120"/>
               </a:rPr>
-              <a:t>我甚困</a:t>
-            </a:r>
+              <a:t>我甚困難並無友能相助</a:t>
+            </a:r>
+          </a:p>
+          <a:p>
+            <a:pPr marL="0" indent="0" algn="ctr">
+              <a:buNone/>
+            </a:pPr>
             <a:r>
               <a:rPr lang="zh-CN" altLang="zh-TW" sz="5400" b="1" dirty="0">
                 <a:solidFill>
@@ -3934,7 +3927,17 @@
                 <a:latin typeface="Microsoft JhengHei" panose="020B0604030504040204" pitchFamily="34" charset="-120"/>
                 <a:ea typeface="Microsoft JhengHei" panose="020B0604030504040204" pitchFamily="34" charset="-120"/>
               </a:rPr>
-              <a:t>難並</a:t>
+              <a:t>無能無友</a:t>
+            </a:r>
+            <a:r>
+              <a:rPr lang="en-US" altLang="zh-CN" sz="5400" b="1" dirty="0">
+                <a:solidFill>
+                  <a:srgbClr val="002060"/>
+                </a:solidFill>
+                <a:latin typeface="Microsoft JhengHei" panose="020B0604030504040204" pitchFamily="34" charset="-120"/>
+                <a:ea typeface="Microsoft JhengHei" panose="020B0604030504040204" pitchFamily="34" charset="-120"/>
+              </a:rPr>
+              <a:t>  </a:t>
             </a:r>
             <a:r>
               <a:rPr lang="zh-CN" altLang="zh-TW" sz="5400" b="1" dirty="0">
@@ -3944,80 +3947,8 @@
                 <a:latin typeface="Microsoft JhengHei" panose="020B0604030504040204" pitchFamily="34" charset="-120"/>
                 <a:ea typeface="Microsoft JhengHei" panose="020B0604030504040204" pitchFamily="34" charset="-120"/>
               </a:rPr>
-              <a:t>無友能相助</a:t>
-            </a:r>
-          </a:p>
-          <a:p>
-            <a:pPr marL="0" indent="0" algn="ctr">
-              <a:buNone/>
-            </a:pPr>
-            <a:r>
-              <a:rPr lang="zh-CN" altLang="zh-TW" sz="5400" b="1" dirty="0">
-                <a:solidFill>
-                  <a:srgbClr val="002060"/>
-                </a:solidFill>
-                <a:latin typeface="Microsoft JhengHei" panose="020B0604030504040204" pitchFamily="34" charset="-120"/>
-                <a:ea typeface="Microsoft JhengHei" panose="020B0604030504040204" pitchFamily="34" charset="-120"/>
-              </a:rPr>
-              <a:t>無能無</a:t>
-            </a:r>
-            <a:r>
-              <a:rPr lang="zh-CN" altLang="zh-TW" sz="5400" b="1" dirty="0">
-                <a:solidFill>
-                  <a:srgbClr val="002060"/>
-                </a:solidFill>
-                <a:latin typeface="Microsoft JhengHei" panose="020B0604030504040204" pitchFamily="34" charset="-120"/>
-                <a:ea typeface="Microsoft JhengHei" panose="020B0604030504040204" pitchFamily="34" charset="-120"/>
-              </a:rPr>
-              <a:t>友</a:t>
-            </a:r>
-            <a:r>
-              <a:rPr lang="en-US" altLang="zh-CN" sz="5400" b="1" dirty="0">
-                <a:solidFill>
-                  <a:srgbClr val="002060"/>
-                </a:solidFill>
-                <a:latin typeface="Microsoft JhengHei" panose="020B0604030504040204" pitchFamily="34" charset="-120"/>
-                <a:ea typeface="Microsoft JhengHei" panose="020B0604030504040204" pitchFamily="34" charset="-120"/>
-              </a:rPr>
-              <a:t>  </a:t>
-            </a:r>
-            <a:r>
-              <a:rPr lang="zh-CN" altLang="zh-TW" sz="5400" b="1" dirty="0">
-                <a:solidFill>
-                  <a:srgbClr val="002060"/>
-                </a:solidFill>
-                <a:latin typeface="Microsoft JhengHei" panose="020B0604030504040204" pitchFamily="34" charset="-120"/>
-                <a:ea typeface="Microsoft JhengHei" panose="020B0604030504040204" pitchFamily="34" charset="-120"/>
-              </a:rPr>
-              <a:t>求</a:t>
-            </a:r>
-            <a:r>
-              <a:rPr lang="zh-CN" altLang="zh-TW" sz="5400" b="1" dirty="0">
-                <a:solidFill>
-                  <a:srgbClr val="002060"/>
-                </a:solidFill>
-                <a:latin typeface="Microsoft JhengHei" panose="020B0604030504040204" pitchFamily="34" charset="-120"/>
-                <a:ea typeface="Microsoft JhengHei" panose="020B0604030504040204" pitchFamily="34" charset="-120"/>
-              </a:rPr>
-              <a:t>主與我同</a:t>
-            </a:r>
-            <a:r>
-              <a:rPr lang="zh-CN" altLang="zh-TW" sz="5400" b="1" dirty="0">
-                <a:solidFill>
-                  <a:srgbClr val="002060"/>
-                </a:solidFill>
-                <a:latin typeface="Microsoft JhengHei" panose="020B0604030504040204" pitchFamily="34" charset="-120"/>
-                <a:ea typeface="Microsoft JhengHei" panose="020B0604030504040204" pitchFamily="34" charset="-120"/>
-              </a:rPr>
-              <a:t>住</a:t>
-            </a:r>
-            <a:endParaRPr lang="zh-CN" altLang="zh-TW" sz="5400" b="1" dirty="0">
-              <a:solidFill>
-                <a:srgbClr val="002060"/>
-              </a:solidFill>
-              <a:latin typeface="Microsoft JhengHei" panose="020B0604030504040204" pitchFamily="34" charset="-120"/>
-              <a:ea typeface="Microsoft JhengHei" panose="020B0604030504040204" pitchFamily="34" charset="-120"/>
-            </a:endParaRPr>
+              <a:t>求主與我同住</a:t>
+            </a:r>
           </a:p>
         </p:txBody>
       </p:sp>
@@ -4062,13 +3993,20 @@
     </p:spTree>
     <p:extLst>
       <p:ext uri="{BB962C8B-B14F-4D97-AF65-F5344CB8AC3E}">
-        <p14:creationId xmlns:p14="http://schemas.microsoft.com/office/powerpoint/2010/main" val="3708610938"/>
+        <p14:creationId xmlns:p14="http://schemas.microsoft.com/office/powerpoint/2010/main" xmlns="" val="3708610938"/>
       </p:ext>
     </p:extLst>
   </p:cSld>
   <p:clrMapOvr>
     <a:masterClrMapping/>
   </p:clrMapOvr>
+  <p:timing>
+    <p:tnLst>
+      <p:par>
+        <p:cTn id="1" dur="indefinite" restart="never" nodeType="tmRoot"/>
+      </p:par>
+    </p:tnLst>
+  </p:timing>
 </p:sld>
 </file>
 
@@ -4167,7 +4105,17 @@
                 <a:latin typeface="Microsoft JhengHei" panose="020B0604030504040204" pitchFamily="34" charset="-120"/>
                 <a:ea typeface="Microsoft JhengHei" panose="020B0604030504040204" pitchFamily="34" charset="-120"/>
               </a:rPr>
-              <a:t>浮生若</a:t>
+              <a:t>浮生若夢</a:t>
+            </a:r>
+            <a:r>
+              <a:rPr lang="en-US" altLang="zh-CN" sz="5400" b="1" dirty="0">
+                <a:solidFill>
+                  <a:srgbClr val="002060"/>
+                </a:solidFill>
+                <a:latin typeface="Microsoft JhengHei" panose="020B0604030504040204" pitchFamily="34" charset="-120"/>
+                <a:ea typeface="Microsoft JhengHei" panose="020B0604030504040204" pitchFamily="34" charset="-120"/>
+              </a:rPr>
+              <a:t>  </a:t>
             </a:r>
             <a:r>
               <a:rPr lang="zh-CN" altLang="zh-TW" sz="5400" b="1" dirty="0">
@@ -4177,7 +4125,22 @@
                 <a:latin typeface="Microsoft JhengHei" panose="020B0604030504040204" pitchFamily="34" charset="-120"/>
                 <a:ea typeface="Microsoft JhengHei" panose="020B0604030504040204" pitchFamily="34" charset="-120"/>
               </a:rPr>
-              <a:t>夢</a:t>
+              <a:t>在世光陰須臾</a:t>
+            </a:r>
+          </a:p>
+          <a:p>
+            <a:pPr marL="0" indent="0" algn="ctr">
+              <a:buNone/>
+            </a:pPr>
+            <a:r>
+              <a:rPr lang="zh-CN" altLang="zh-TW" sz="5400" b="1" dirty="0">
+                <a:solidFill>
+                  <a:srgbClr val="002060"/>
+                </a:solidFill>
+                <a:latin typeface="Microsoft JhengHei" panose="020B0604030504040204" pitchFamily="34" charset="-120"/>
+                <a:ea typeface="Microsoft JhengHei" panose="020B0604030504040204" pitchFamily="34" charset="-120"/>
+              </a:rPr>
+              <a:t>福祿榮華</a:t>
             </a:r>
             <a:r>
               <a:rPr lang="en-US" altLang="zh-CN" sz="5400" b="1" dirty="0">
@@ -4197,82 +4160,7 @@
                 <a:latin typeface="Microsoft JhengHei" panose="020B0604030504040204" pitchFamily="34" charset="-120"/>
                 <a:ea typeface="Microsoft JhengHei" panose="020B0604030504040204" pitchFamily="34" charset="-120"/>
               </a:rPr>
-              <a:t>在</a:t>
-            </a:r>
-            <a:r>
-              <a:rPr lang="zh-CN" altLang="zh-TW" sz="5400" b="1" dirty="0">
-                <a:solidFill>
-                  <a:srgbClr val="002060"/>
-                </a:solidFill>
-                <a:latin typeface="Microsoft JhengHei" panose="020B0604030504040204" pitchFamily="34" charset="-120"/>
-                <a:ea typeface="Microsoft JhengHei" panose="020B0604030504040204" pitchFamily="34" charset="-120"/>
-              </a:rPr>
-              <a:t>世光陰須臾</a:t>
-            </a:r>
-          </a:p>
-          <a:p>
-            <a:pPr marL="0" indent="0" algn="ctr">
-              <a:buNone/>
-            </a:pPr>
-            <a:r>
-              <a:rPr lang="zh-CN" altLang="zh-TW" sz="5400" b="1" dirty="0">
-                <a:solidFill>
-                  <a:srgbClr val="002060"/>
-                </a:solidFill>
-                <a:latin typeface="Microsoft JhengHei" panose="020B0604030504040204" pitchFamily="34" charset="-120"/>
-                <a:ea typeface="Microsoft JhengHei" panose="020B0604030504040204" pitchFamily="34" charset="-120"/>
-              </a:rPr>
-              <a:t>福祿榮</a:t>
-            </a:r>
-            <a:r>
-              <a:rPr lang="zh-CN" altLang="zh-TW" sz="5400" b="1" dirty="0">
-                <a:solidFill>
-                  <a:srgbClr val="002060"/>
-                </a:solidFill>
-                <a:latin typeface="Microsoft JhengHei" panose="020B0604030504040204" pitchFamily="34" charset="-120"/>
-                <a:ea typeface="Microsoft JhengHei" panose="020B0604030504040204" pitchFamily="34" charset="-120"/>
-              </a:rPr>
-              <a:t>華</a:t>
-            </a:r>
-            <a:r>
-              <a:rPr lang="en-US" altLang="zh-CN" sz="5400" b="1" dirty="0">
-                <a:solidFill>
-                  <a:srgbClr val="002060"/>
-                </a:solidFill>
-                <a:latin typeface="Microsoft JhengHei" panose="020B0604030504040204" pitchFamily="34" charset="-120"/>
-                <a:ea typeface="Microsoft JhengHei" panose="020B0604030504040204" pitchFamily="34" charset="-120"/>
-              </a:rPr>
-              <a:t>  </a:t>
-            </a:r>
-            <a:r>
-              <a:rPr lang="zh-CN" altLang="zh-TW" sz="5400" b="1" dirty="0">
-                <a:solidFill>
-                  <a:srgbClr val="002060"/>
-                </a:solidFill>
-                <a:latin typeface="Microsoft JhengHei" panose="020B0604030504040204" pitchFamily="34" charset="-120"/>
-                <a:ea typeface="Microsoft JhengHei" panose="020B0604030504040204" pitchFamily="34" charset="-120"/>
-              </a:rPr>
-              <a:t>皆</a:t>
-            </a:r>
-            <a:r>
-              <a:rPr lang="zh-CN" altLang="zh-TW" sz="5400" b="1" dirty="0">
-                <a:solidFill>
-                  <a:srgbClr val="002060"/>
-                </a:solidFill>
-                <a:latin typeface="Microsoft JhengHei" panose="020B0604030504040204" pitchFamily="34" charset="-120"/>
-                <a:ea typeface="Microsoft JhengHei" panose="020B0604030504040204" pitchFamily="34" charset="-120"/>
-              </a:rPr>
-              <a:t>易隨時變</a:t>
-            </a:r>
-            <a:r>
-              <a:rPr lang="zh-CN" altLang="zh-TW" sz="5400" b="1" dirty="0">
-                <a:solidFill>
-                  <a:srgbClr val="002060"/>
-                </a:solidFill>
-                <a:latin typeface="Microsoft JhengHei" panose="020B0604030504040204" pitchFamily="34" charset="-120"/>
-                <a:ea typeface="Microsoft JhengHei" panose="020B0604030504040204" pitchFamily="34" charset="-120"/>
-              </a:rPr>
-              <a:t>故</a:t>
+              <a:t>皆易隨時變故</a:t>
             </a:r>
             <a:endParaRPr lang="en-US" altLang="zh-CN" sz="5400" b="1" dirty="0">
               <a:solidFill>
@@ -4294,8 +4182,13 @@
                 <a:latin typeface="Microsoft JhengHei" panose="020B0604030504040204" pitchFamily="34" charset="-120"/>
                 <a:ea typeface="Microsoft JhengHei" panose="020B0604030504040204" pitchFamily="34" charset="-120"/>
               </a:rPr>
-              <a:t>眼前一</a:t>
-            </a:r>
+              <a:t>眼前一切正如花間曉露</a:t>
+            </a:r>
+          </a:p>
+          <a:p>
+            <a:pPr marL="0" indent="0" algn="ctr">
+              <a:buNone/>
+            </a:pPr>
             <a:r>
               <a:rPr lang="zh-CN" altLang="zh-TW" sz="5400" b="1" dirty="0">
                 <a:solidFill>
@@ -4304,7 +4197,17 @@
                 <a:latin typeface="Microsoft JhengHei" panose="020B0604030504040204" pitchFamily="34" charset="-120"/>
                 <a:ea typeface="Microsoft JhengHei" panose="020B0604030504040204" pitchFamily="34" charset="-120"/>
               </a:rPr>
-              <a:t>切正</a:t>
+              <a:t>惟主不變</a:t>
+            </a:r>
+            <a:r>
+              <a:rPr lang="en-US" altLang="zh-CN" sz="5400" b="1" dirty="0">
+                <a:solidFill>
+                  <a:srgbClr val="002060"/>
+                </a:solidFill>
+                <a:latin typeface="Microsoft JhengHei" panose="020B0604030504040204" pitchFamily="34" charset="-120"/>
+                <a:ea typeface="Microsoft JhengHei" panose="020B0604030504040204" pitchFamily="34" charset="-120"/>
+              </a:rPr>
+              <a:t>  </a:t>
             </a:r>
             <a:r>
               <a:rPr lang="zh-CN" altLang="zh-TW" sz="5400" b="1" dirty="0">
@@ -4314,80 +4217,8 @@
                 <a:latin typeface="Microsoft JhengHei" panose="020B0604030504040204" pitchFamily="34" charset="-120"/>
                 <a:ea typeface="Microsoft JhengHei" panose="020B0604030504040204" pitchFamily="34" charset="-120"/>
               </a:rPr>
-              <a:t>如花間曉露</a:t>
-            </a:r>
-          </a:p>
-          <a:p>
-            <a:pPr marL="0" indent="0" algn="ctr">
-              <a:buNone/>
-            </a:pPr>
-            <a:r>
-              <a:rPr lang="zh-CN" altLang="zh-TW" sz="5400" b="1" dirty="0">
-                <a:solidFill>
-                  <a:srgbClr val="002060"/>
-                </a:solidFill>
-                <a:latin typeface="Microsoft JhengHei" panose="020B0604030504040204" pitchFamily="34" charset="-120"/>
-                <a:ea typeface="Microsoft JhengHei" panose="020B0604030504040204" pitchFamily="34" charset="-120"/>
-              </a:rPr>
-              <a:t>惟主不</a:t>
-            </a:r>
-            <a:r>
-              <a:rPr lang="zh-CN" altLang="zh-TW" sz="5400" b="1" dirty="0">
-                <a:solidFill>
-                  <a:srgbClr val="002060"/>
-                </a:solidFill>
-                <a:latin typeface="Microsoft JhengHei" panose="020B0604030504040204" pitchFamily="34" charset="-120"/>
-                <a:ea typeface="Microsoft JhengHei" panose="020B0604030504040204" pitchFamily="34" charset="-120"/>
-              </a:rPr>
-              <a:t>變</a:t>
-            </a:r>
-            <a:r>
-              <a:rPr lang="en-US" altLang="zh-CN" sz="5400" b="1" dirty="0">
-                <a:solidFill>
-                  <a:srgbClr val="002060"/>
-                </a:solidFill>
-                <a:latin typeface="Microsoft JhengHei" panose="020B0604030504040204" pitchFamily="34" charset="-120"/>
-                <a:ea typeface="Microsoft JhengHei" panose="020B0604030504040204" pitchFamily="34" charset="-120"/>
-              </a:rPr>
-              <a:t>  </a:t>
-            </a:r>
-            <a:r>
-              <a:rPr lang="zh-CN" altLang="zh-TW" sz="5400" b="1" dirty="0">
-                <a:solidFill>
-                  <a:srgbClr val="002060"/>
-                </a:solidFill>
-                <a:latin typeface="Microsoft JhengHei" panose="020B0604030504040204" pitchFamily="34" charset="-120"/>
-                <a:ea typeface="Microsoft JhengHei" panose="020B0604030504040204" pitchFamily="34" charset="-120"/>
-              </a:rPr>
-              <a:t>求</a:t>
-            </a:r>
-            <a:r>
-              <a:rPr lang="zh-CN" altLang="zh-TW" sz="5400" b="1" dirty="0">
-                <a:solidFill>
-                  <a:srgbClr val="002060"/>
-                </a:solidFill>
-                <a:latin typeface="Microsoft JhengHei" panose="020B0604030504040204" pitchFamily="34" charset="-120"/>
-                <a:ea typeface="Microsoft JhengHei" panose="020B0604030504040204" pitchFamily="34" charset="-120"/>
-              </a:rPr>
-              <a:t>主與我同</a:t>
-            </a:r>
-            <a:r>
-              <a:rPr lang="zh-CN" altLang="zh-TW" sz="5400" b="1" dirty="0">
-                <a:solidFill>
-                  <a:srgbClr val="002060"/>
-                </a:solidFill>
-                <a:latin typeface="Microsoft JhengHei" panose="020B0604030504040204" pitchFamily="34" charset="-120"/>
-                <a:ea typeface="Microsoft JhengHei" panose="020B0604030504040204" pitchFamily="34" charset="-120"/>
-              </a:rPr>
-              <a:t>住</a:t>
-            </a:r>
-            <a:endParaRPr lang="zh-CN" altLang="zh-TW" sz="5400" b="1" dirty="0">
-              <a:solidFill>
-                <a:srgbClr val="002060"/>
-              </a:solidFill>
-              <a:latin typeface="Microsoft JhengHei" panose="020B0604030504040204" pitchFamily="34" charset="-120"/>
-              <a:ea typeface="Microsoft JhengHei" panose="020B0604030504040204" pitchFamily="34" charset="-120"/>
-            </a:endParaRPr>
+              <a:t>求主與我同住</a:t>
+            </a:r>
           </a:p>
         </p:txBody>
       </p:sp>
@@ -4445,13 +4276,20 @@
     </p:spTree>
     <p:extLst>
       <p:ext uri="{BB962C8B-B14F-4D97-AF65-F5344CB8AC3E}">
-        <p14:creationId xmlns:p14="http://schemas.microsoft.com/office/powerpoint/2010/main" val="4079319020"/>
+        <p14:creationId xmlns:p14="http://schemas.microsoft.com/office/powerpoint/2010/main" xmlns="" val="4079319020"/>
       </p:ext>
     </p:extLst>
   </p:cSld>
   <p:clrMapOvr>
     <a:masterClrMapping/>
   </p:clrMapOvr>
+  <p:timing>
+    <p:tnLst>
+      <p:par>
+        <p:cTn id="1" dur="indefinite" restart="never" nodeType="tmRoot"/>
+      </p:par>
+    </p:tnLst>
+  </p:timing>
 </p:sld>
 </file>
 
@@ -4550,7 +4388,17 @@
                 <a:latin typeface="Microsoft JhengHei" panose="020B0604030504040204" pitchFamily="34" charset="-120"/>
                 <a:ea typeface="Microsoft JhengHei" panose="020B0604030504040204" pitchFamily="34" charset="-120"/>
               </a:rPr>
-              <a:t>無論何</a:t>
+              <a:t>無論何時</a:t>
+            </a:r>
+            <a:r>
+              <a:rPr lang="en-US" altLang="zh-CN" sz="5400" b="1" dirty="0">
+                <a:solidFill>
+                  <a:srgbClr val="002060"/>
+                </a:solidFill>
+                <a:latin typeface="Microsoft JhengHei" panose="020B0604030504040204" pitchFamily="34" charset="-120"/>
+                <a:ea typeface="Microsoft JhengHei" panose="020B0604030504040204" pitchFamily="34" charset="-120"/>
+              </a:rPr>
+              <a:t>  </a:t>
             </a:r>
             <a:r>
               <a:rPr lang="zh-CN" altLang="zh-TW" sz="5400" b="1" dirty="0">
@@ -4560,7 +4408,22 @@
                 <a:latin typeface="Microsoft JhengHei" panose="020B0604030504040204" pitchFamily="34" charset="-120"/>
                 <a:ea typeface="Microsoft JhengHei" panose="020B0604030504040204" pitchFamily="34" charset="-120"/>
               </a:rPr>
-              <a:t>時</a:t>
+              <a:t>總須我主同住</a:t>
+            </a:r>
+          </a:p>
+          <a:p>
+            <a:pPr marL="0" indent="0" algn="ctr">
+              <a:buNone/>
+            </a:pPr>
+            <a:r>
+              <a:rPr lang="zh-CN" altLang="zh-TW" sz="5400" b="1" dirty="0">
+                <a:solidFill>
+                  <a:srgbClr val="002060"/>
+                </a:solidFill>
+                <a:latin typeface="Microsoft JhengHei" panose="020B0604030504040204" pitchFamily="34" charset="-120"/>
+                <a:ea typeface="Microsoft JhengHei" panose="020B0604030504040204" pitchFamily="34" charset="-120"/>
+              </a:rPr>
+              <a:t>主若撇離</a:t>
             </a:r>
             <a:r>
               <a:rPr lang="en-US" altLang="zh-CN" sz="5400" b="1" dirty="0">
@@ -4580,82 +4443,7 @@
                 <a:latin typeface="Microsoft JhengHei" panose="020B0604030504040204" pitchFamily="34" charset="-120"/>
                 <a:ea typeface="Microsoft JhengHei" panose="020B0604030504040204" pitchFamily="34" charset="-120"/>
               </a:rPr>
-              <a:t>總</a:t>
-            </a:r>
-            <a:r>
-              <a:rPr lang="zh-CN" altLang="zh-TW" sz="5400" b="1" dirty="0">
-                <a:solidFill>
-                  <a:srgbClr val="002060"/>
-                </a:solidFill>
-                <a:latin typeface="Microsoft JhengHei" panose="020B0604030504040204" pitchFamily="34" charset="-120"/>
-                <a:ea typeface="Microsoft JhengHei" panose="020B0604030504040204" pitchFamily="34" charset="-120"/>
-              </a:rPr>
-              <a:t>須我主同住</a:t>
-            </a:r>
-          </a:p>
-          <a:p>
-            <a:pPr marL="0" indent="0" algn="ctr">
-              <a:buNone/>
-            </a:pPr>
-            <a:r>
-              <a:rPr lang="zh-CN" altLang="zh-TW" sz="5400" b="1" dirty="0">
-                <a:solidFill>
-                  <a:srgbClr val="002060"/>
-                </a:solidFill>
-                <a:latin typeface="Microsoft JhengHei" panose="020B0604030504040204" pitchFamily="34" charset="-120"/>
-                <a:ea typeface="Microsoft JhengHei" panose="020B0604030504040204" pitchFamily="34" charset="-120"/>
-              </a:rPr>
-              <a:t>主若撇</a:t>
-            </a:r>
-            <a:r>
-              <a:rPr lang="zh-CN" altLang="zh-TW" sz="5400" b="1" dirty="0">
-                <a:solidFill>
-                  <a:srgbClr val="002060"/>
-                </a:solidFill>
-                <a:latin typeface="Microsoft JhengHei" panose="020B0604030504040204" pitchFamily="34" charset="-120"/>
-                <a:ea typeface="Microsoft JhengHei" panose="020B0604030504040204" pitchFamily="34" charset="-120"/>
-              </a:rPr>
-              <a:t>離</a:t>
-            </a:r>
-            <a:r>
-              <a:rPr lang="en-US" altLang="zh-CN" sz="5400" b="1" dirty="0">
-                <a:solidFill>
-                  <a:srgbClr val="002060"/>
-                </a:solidFill>
-                <a:latin typeface="Microsoft JhengHei" panose="020B0604030504040204" pitchFamily="34" charset="-120"/>
-                <a:ea typeface="Microsoft JhengHei" panose="020B0604030504040204" pitchFamily="34" charset="-120"/>
-              </a:rPr>
-              <a:t>  </a:t>
-            </a:r>
-            <a:r>
-              <a:rPr lang="zh-CN" altLang="zh-TW" sz="5400" b="1" dirty="0">
-                <a:solidFill>
-                  <a:srgbClr val="002060"/>
-                </a:solidFill>
-                <a:latin typeface="Microsoft JhengHei" panose="020B0604030504040204" pitchFamily="34" charset="-120"/>
-                <a:ea typeface="Microsoft JhengHei" panose="020B0604030504040204" pitchFamily="34" charset="-120"/>
-              </a:rPr>
-              <a:t>魔</a:t>
-            </a:r>
-            <a:r>
-              <a:rPr lang="zh-CN" altLang="zh-TW" sz="5400" b="1" dirty="0">
-                <a:solidFill>
-                  <a:srgbClr val="002060"/>
-                </a:solidFill>
-                <a:latin typeface="Microsoft JhengHei" panose="020B0604030504040204" pitchFamily="34" charset="-120"/>
-                <a:ea typeface="Microsoft JhengHei" panose="020B0604030504040204" pitchFamily="34" charset="-120"/>
-              </a:rPr>
-              <a:t>鬼前來攔</a:t>
-            </a:r>
-            <a:r>
-              <a:rPr lang="zh-CN" altLang="zh-TW" sz="5400" b="1" dirty="0">
-                <a:solidFill>
-                  <a:srgbClr val="002060"/>
-                </a:solidFill>
-                <a:latin typeface="Microsoft JhengHei" panose="020B0604030504040204" pitchFamily="34" charset="-120"/>
-                <a:ea typeface="Microsoft JhengHei" panose="020B0604030504040204" pitchFamily="34" charset="-120"/>
-              </a:rPr>
-              <a:t>阻</a:t>
+              <a:t>魔鬼前來攔阻</a:t>
             </a:r>
             <a:endParaRPr lang="en-US" altLang="zh-CN" sz="5400" b="1" dirty="0">
               <a:solidFill>
@@ -4677,8 +4465,13 @@
                 <a:latin typeface="Microsoft JhengHei" panose="020B0604030504040204" pitchFamily="34" charset="-120"/>
                 <a:ea typeface="Microsoft JhengHei" panose="020B0604030504040204" pitchFamily="34" charset="-120"/>
               </a:rPr>
-              <a:t>誰能如</a:t>
-            </a:r>
+              <a:t>誰能如主領我穩行天路</a:t>
+            </a:r>
+          </a:p>
+          <a:p>
+            <a:pPr marL="0" indent="0" algn="ctr">
+              <a:buNone/>
+            </a:pPr>
             <a:r>
               <a:rPr lang="zh-CN" altLang="zh-TW" sz="5400" b="1" dirty="0">
                 <a:solidFill>
@@ -4687,7 +4480,17 @@
                 <a:latin typeface="Microsoft JhengHei" panose="020B0604030504040204" pitchFamily="34" charset="-120"/>
                 <a:ea typeface="Microsoft JhengHei" panose="020B0604030504040204" pitchFamily="34" charset="-120"/>
               </a:rPr>
-              <a:t>主領</a:t>
+              <a:t>不論陰晴</a:t>
+            </a:r>
+            <a:r>
+              <a:rPr lang="en-US" altLang="zh-CN" sz="5400" b="1" dirty="0">
+                <a:solidFill>
+                  <a:srgbClr val="002060"/>
+                </a:solidFill>
+                <a:latin typeface="Microsoft JhengHei" panose="020B0604030504040204" pitchFamily="34" charset="-120"/>
+                <a:ea typeface="Microsoft JhengHei" panose="020B0604030504040204" pitchFamily="34" charset="-120"/>
+              </a:rPr>
+              <a:t>  </a:t>
             </a:r>
             <a:r>
               <a:rPr lang="zh-CN" altLang="zh-TW" sz="5400" b="1" dirty="0">
@@ -4697,80 +4500,8 @@
                 <a:latin typeface="Microsoft JhengHei" panose="020B0604030504040204" pitchFamily="34" charset="-120"/>
                 <a:ea typeface="Microsoft JhengHei" panose="020B0604030504040204" pitchFamily="34" charset="-120"/>
               </a:rPr>
-              <a:t>我穩行天路</a:t>
-            </a:r>
-          </a:p>
-          <a:p>
-            <a:pPr marL="0" indent="0" algn="ctr">
-              <a:buNone/>
-            </a:pPr>
-            <a:r>
-              <a:rPr lang="zh-CN" altLang="zh-TW" sz="5400" b="1" dirty="0">
-                <a:solidFill>
-                  <a:srgbClr val="002060"/>
-                </a:solidFill>
-                <a:latin typeface="Microsoft JhengHei" panose="020B0604030504040204" pitchFamily="34" charset="-120"/>
-                <a:ea typeface="Microsoft JhengHei" panose="020B0604030504040204" pitchFamily="34" charset="-120"/>
-              </a:rPr>
-              <a:t>不論陰</a:t>
-            </a:r>
-            <a:r>
-              <a:rPr lang="zh-CN" altLang="zh-TW" sz="5400" b="1" dirty="0">
-                <a:solidFill>
-                  <a:srgbClr val="002060"/>
-                </a:solidFill>
-                <a:latin typeface="Microsoft JhengHei" panose="020B0604030504040204" pitchFamily="34" charset="-120"/>
-                <a:ea typeface="Microsoft JhengHei" panose="020B0604030504040204" pitchFamily="34" charset="-120"/>
-              </a:rPr>
-              <a:t>晴</a:t>
-            </a:r>
-            <a:r>
-              <a:rPr lang="en-US" altLang="zh-CN" sz="5400" b="1" dirty="0">
-                <a:solidFill>
-                  <a:srgbClr val="002060"/>
-                </a:solidFill>
-                <a:latin typeface="Microsoft JhengHei" panose="020B0604030504040204" pitchFamily="34" charset="-120"/>
-                <a:ea typeface="Microsoft JhengHei" panose="020B0604030504040204" pitchFamily="34" charset="-120"/>
-              </a:rPr>
-              <a:t>  </a:t>
-            </a:r>
-            <a:r>
-              <a:rPr lang="zh-CN" altLang="zh-TW" sz="5400" b="1" dirty="0">
-                <a:solidFill>
-                  <a:srgbClr val="002060"/>
-                </a:solidFill>
-                <a:latin typeface="Microsoft JhengHei" panose="020B0604030504040204" pitchFamily="34" charset="-120"/>
-                <a:ea typeface="Microsoft JhengHei" panose="020B0604030504040204" pitchFamily="34" charset="-120"/>
-              </a:rPr>
-              <a:t>求</a:t>
-            </a:r>
-            <a:r>
-              <a:rPr lang="zh-CN" altLang="zh-TW" sz="5400" b="1" dirty="0">
-                <a:solidFill>
-                  <a:srgbClr val="002060"/>
-                </a:solidFill>
-                <a:latin typeface="Microsoft JhengHei" panose="020B0604030504040204" pitchFamily="34" charset="-120"/>
-                <a:ea typeface="Microsoft JhengHei" panose="020B0604030504040204" pitchFamily="34" charset="-120"/>
-              </a:rPr>
-              <a:t>主與我同</a:t>
-            </a:r>
-            <a:r>
-              <a:rPr lang="zh-CN" altLang="zh-TW" sz="5400" b="1" dirty="0">
-                <a:solidFill>
-                  <a:srgbClr val="002060"/>
-                </a:solidFill>
-                <a:latin typeface="Microsoft JhengHei" panose="020B0604030504040204" pitchFamily="34" charset="-120"/>
-                <a:ea typeface="Microsoft JhengHei" panose="020B0604030504040204" pitchFamily="34" charset="-120"/>
-              </a:rPr>
-              <a:t>住</a:t>
-            </a:r>
-            <a:endParaRPr lang="zh-CN" altLang="zh-TW" sz="5400" b="1" dirty="0">
-              <a:solidFill>
-                <a:srgbClr val="002060"/>
-              </a:solidFill>
-              <a:latin typeface="Microsoft JhengHei" panose="020B0604030504040204" pitchFamily="34" charset="-120"/>
-              <a:ea typeface="Microsoft JhengHei" panose="020B0604030504040204" pitchFamily="34" charset="-120"/>
-            </a:endParaRPr>
+              <a:t>求主與我同住</a:t>
+            </a:r>
           </a:p>
         </p:txBody>
       </p:sp>
@@ -4828,13 +4559,20 @@
     </p:spTree>
     <p:extLst>
       <p:ext uri="{BB962C8B-B14F-4D97-AF65-F5344CB8AC3E}">
-        <p14:creationId xmlns:p14="http://schemas.microsoft.com/office/powerpoint/2010/main" val="1197870934"/>
+        <p14:creationId xmlns:p14="http://schemas.microsoft.com/office/powerpoint/2010/main" xmlns="" val="1197870934"/>
       </p:ext>
     </p:extLst>
   </p:cSld>
   <p:clrMapOvr>
     <a:masterClrMapping/>
   </p:clrMapOvr>
+  <p:timing>
+    <p:tnLst>
+      <p:par>
+        <p:cTn id="1" dur="indefinite" restart="never" nodeType="tmRoot"/>
+      </p:par>
+    </p:tnLst>
+  </p:timing>
 </p:sld>
 </file>
 
@@ -4933,7 +4671,17 @@
                 <a:latin typeface="Microsoft JhengHei" panose="020B0604030504040204" pitchFamily="34" charset="-120"/>
                 <a:ea typeface="Microsoft JhengHei" panose="020B0604030504040204" pitchFamily="34" charset="-120"/>
               </a:rPr>
-              <a:t>主若同</a:t>
+              <a:t>主若同住</a:t>
+            </a:r>
+            <a:r>
+              <a:rPr lang="en-US" altLang="zh-CN" sz="5400" b="1" dirty="0">
+                <a:solidFill>
+                  <a:srgbClr val="002060"/>
+                </a:solidFill>
+                <a:latin typeface="Microsoft JhengHei" panose="020B0604030504040204" pitchFamily="34" charset="-120"/>
+                <a:ea typeface="Microsoft JhengHei" panose="020B0604030504040204" pitchFamily="34" charset="-120"/>
+              </a:rPr>
+              <a:t>  </a:t>
             </a:r>
             <a:r>
               <a:rPr lang="zh-CN" altLang="zh-TW" sz="5400" b="1" dirty="0">
@@ -4943,7 +4691,22 @@
                 <a:latin typeface="Microsoft JhengHei" panose="020B0604030504040204" pitchFamily="34" charset="-120"/>
                 <a:ea typeface="Microsoft JhengHei" panose="020B0604030504040204" pitchFamily="34" charset="-120"/>
               </a:rPr>
-              <a:t>住</a:t>
+              <a:t>仇敵我不憂懼</a:t>
+            </a:r>
+          </a:p>
+          <a:p>
+            <a:pPr marL="0" indent="0" algn="ctr">
+              <a:buNone/>
+            </a:pPr>
+            <a:r>
+              <a:rPr lang="zh-CN" altLang="zh-TW" sz="5400" b="1" dirty="0">
+                <a:solidFill>
+                  <a:srgbClr val="002060"/>
+                </a:solidFill>
+                <a:latin typeface="Microsoft JhengHei" panose="020B0604030504040204" pitchFamily="34" charset="-120"/>
+                <a:ea typeface="Microsoft JhengHei" panose="020B0604030504040204" pitchFamily="34" charset="-120"/>
+              </a:rPr>
+              <a:t>艱難阻險</a:t>
             </a:r>
             <a:r>
               <a:rPr lang="en-US" altLang="zh-CN" sz="5400" b="1" dirty="0">
@@ -4963,82 +4726,7 @@
                 <a:latin typeface="Microsoft JhengHei" panose="020B0604030504040204" pitchFamily="34" charset="-120"/>
                 <a:ea typeface="Microsoft JhengHei" panose="020B0604030504040204" pitchFamily="34" charset="-120"/>
               </a:rPr>
-              <a:t>仇</a:t>
-            </a:r>
-            <a:r>
-              <a:rPr lang="zh-CN" altLang="zh-TW" sz="5400" b="1" dirty="0">
-                <a:solidFill>
-                  <a:srgbClr val="002060"/>
-                </a:solidFill>
-                <a:latin typeface="Microsoft JhengHei" panose="020B0604030504040204" pitchFamily="34" charset="-120"/>
-                <a:ea typeface="Microsoft JhengHei" panose="020B0604030504040204" pitchFamily="34" charset="-120"/>
-              </a:rPr>
-              <a:t>敵我不憂懼</a:t>
-            </a:r>
-          </a:p>
-          <a:p>
-            <a:pPr marL="0" indent="0" algn="ctr">
-              <a:buNone/>
-            </a:pPr>
-            <a:r>
-              <a:rPr lang="zh-CN" altLang="zh-TW" sz="5400" b="1" dirty="0">
-                <a:solidFill>
-                  <a:srgbClr val="002060"/>
-                </a:solidFill>
-                <a:latin typeface="Microsoft JhengHei" panose="020B0604030504040204" pitchFamily="34" charset="-120"/>
-                <a:ea typeface="Microsoft JhengHei" panose="020B0604030504040204" pitchFamily="34" charset="-120"/>
-              </a:rPr>
-              <a:t>艱難阻</a:t>
-            </a:r>
-            <a:r>
-              <a:rPr lang="zh-CN" altLang="zh-TW" sz="5400" b="1" dirty="0">
-                <a:solidFill>
-                  <a:srgbClr val="002060"/>
-                </a:solidFill>
-                <a:latin typeface="Microsoft JhengHei" panose="020B0604030504040204" pitchFamily="34" charset="-120"/>
-                <a:ea typeface="Microsoft JhengHei" panose="020B0604030504040204" pitchFamily="34" charset="-120"/>
-              </a:rPr>
-              <a:t>險</a:t>
-            </a:r>
-            <a:r>
-              <a:rPr lang="en-US" altLang="zh-CN" sz="5400" b="1" dirty="0">
-                <a:solidFill>
-                  <a:srgbClr val="002060"/>
-                </a:solidFill>
-                <a:latin typeface="Microsoft JhengHei" panose="020B0604030504040204" pitchFamily="34" charset="-120"/>
-                <a:ea typeface="Microsoft JhengHei" panose="020B0604030504040204" pitchFamily="34" charset="-120"/>
-              </a:rPr>
-              <a:t>  </a:t>
-            </a:r>
-            <a:r>
-              <a:rPr lang="zh-CN" altLang="zh-TW" sz="5400" b="1" dirty="0">
-                <a:solidFill>
-                  <a:srgbClr val="002060"/>
-                </a:solidFill>
-                <a:latin typeface="Microsoft JhengHei" panose="020B0604030504040204" pitchFamily="34" charset="-120"/>
-                <a:ea typeface="Microsoft JhengHei" panose="020B0604030504040204" pitchFamily="34" charset="-120"/>
-              </a:rPr>
-              <a:t>此</a:t>
-            </a:r>
-            <a:r>
-              <a:rPr lang="zh-CN" altLang="zh-TW" sz="5400" b="1" dirty="0">
-                <a:solidFill>
-                  <a:srgbClr val="002060"/>
-                </a:solidFill>
-                <a:latin typeface="Microsoft JhengHei" panose="020B0604030504040204" pitchFamily="34" charset="-120"/>
-                <a:ea typeface="Microsoft JhengHei" panose="020B0604030504040204" pitchFamily="34" charset="-120"/>
-              </a:rPr>
-              <a:t>境無一可</a:t>
-            </a:r>
-            <a:r>
-              <a:rPr lang="zh-CN" altLang="zh-TW" sz="5400" b="1" dirty="0">
-                <a:solidFill>
-                  <a:srgbClr val="002060"/>
-                </a:solidFill>
-                <a:latin typeface="Microsoft JhengHei" panose="020B0604030504040204" pitchFamily="34" charset="-120"/>
-                <a:ea typeface="Microsoft JhengHei" panose="020B0604030504040204" pitchFamily="34" charset="-120"/>
-              </a:rPr>
-              <a:t>慮</a:t>
+              <a:t>此境無一可慮</a:t>
             </a:r>
             <a:endParaRPr lang="en-US" altLang="zh-CN" sz="5400" b="1" dirty="0">
               <a:solidFill>
@@ -5060,8 +4748,13 @@
                 <a:latin typeface="Microsoft JhengHei" panose="020B0604030504040204" pitchFamily="34" charset="-120"/>
                 <a:ea typeface="Microsoft JhengHei" panose="020B0604030504040204" pitchFamily="34" charset="-120"/>
               </a:rPr>
-              <a:t>陰府死</a:t>
-            </a:r>
+              <a:t>陰府死亡其害既經過渡</a:t>
+            </a:r>
+          </a:p>
+          <a:p>
+            <a:pPr marL="0" indent="0" algn="ctr">
+              <a:buNone/>
+            </a:pPr>
             <a:r>
               <a:rPr lang="zh-CN" altLang="zh-TW" sz="5400" b="1" dirty="0">
                 <a:solidFill>
@@ -5070,7 +4763,17 @@
                 <a:latin typeface="Microsoft JhengHei" panose="020B0604030504040204" pitchFamily="34" charset="-120"/>
                 <a:ea typeface="Microsoft JhengHei" panose="020B0604030504040204" pitchFamily="34" charset="-120"/>
               </a:rPr>
-              <a:t>亡其</a:t>
+              <a:t>總必得勝</a:t>
+            </a:r>
+            <a:r>
+              <a:rPr lang="en-US" altLang="zh-CN" sz="5400" b="1" dirty="0">
+                <a:solidFill>
+                  <a:srgbClr val="002060"/>
+                </a:solidFill>
+                <a:latin typeface="Microsoft JhengHei" panose="020B0604030504040204" pitchFamily="34" charset="-120"/>
+                <a:ea typeface="Microsoft JhengHei" panose="020B0604030504040204" pitchFamily="34" charset="-120"/>
+              </a:rPr>
+              <a:t>  </a:t>
             </a:r>
             <a:r>
               <a:rPr lang="zh-CN" altLang="zh-TW" sz="5400" b="1" dirty="0">
@@ -5080,80 +4783,8 @@
                 <a:latin typeface="Microsoft JhengHei" panose="020B0604030504040204" pitchFamily="34" charset="-120"/>
                 <a:ea typeface="Microsoft JhengHei" panose="020B0604030504040204" pitchFamily="34" charset="-120"/>
               </a:rPr>
-              <a:t>害既經過渡</a:t>
-            </a:r>
-          </a:p>
-          <a:p>
-            <a:pPr marL="0" indent="0" algn="ctr">
-              <a:buNone/>
-            </a:pPr>
-            <a:r>
-              <a:rPr lang="zh-CN" altLang="zh-TW" sz="5400" b="1" dirty="0">
-                <a:solidFill>
-                  <a:srgbClr val="002060"/>
-                </a:solidFill>
-                <a:latin typeface="Microsoft JhengHei" panose="020B0604030504040204" pitchFamily="34" charset="-120"/>
-                <a:ea typeface="Microsoft JhengHei" panose="020B0604030504040204" pitchFamily="34" charset="-120"/>
-              </a:rPr>
-              <a:t>總必得</a:t>
-            </a:r>
-            <a:r>
-              <a:rPr lang="zh-CN" altLang="zh-TW" sz="5400" b="1" dirty="0">
-                <a:solidFill>
-                  <a:srgbClr val="002060"/>
-                </a:solidFill>
-                <a:latin typeface="Microsoft JhengHei" panose="020B0604030504040204" pitchFamily="34" charset="-120"/>
-                <a:ea typeface="Microsoft JhengHei" panose="020B0604030504040204" pitchFamily="34" charset="-120"/>
-              </a:rPr>
-              <a:t>勝</a:t>
-            </a:r>
-            <a:r>
-              <a:rPr lang="en-US" altLang="zh-CN" sz="5400" b="1" dirty="0">
-                <a:solidFill>
-                  <a:srgbClr val="002060"/>
-                </a:solidFill>
-                <a:latin typeface="Microsoft JhengHei" panose="020B0604030504040204" pitchFamily="34" charset="-120"/>
-                <a:ea typeface="Microsoft JhengHei" panose="020B0604030504040204" pitchFamily="34" charset="-120"/>
-              </a:rPr>
-              <a:t>  </a:t>
-            </a:r>
-            <a:r>
-              <a:rPr lang="zh-CN" altLang="zh-TW" sz="5400" b="1" dirty="0">
-                <a:solidFill>
-                  <a:srgbClr val="002060"/>
-                </a:solidFill>
-                <a:latin typeface="Microsoft JhengHei" panose="020B0604030504040204" pitchFamily="34" charset="-120"/>
-                <a:ea typeface="Microsoft JhengHei" panose="020B0604030504040204" pitchFamily="34" charset="-120"/>
-              </a:rPr>
-              <a:t>求</a:t>
-            </a:r>
-            <a:r>
-              <a:rPr lang="zh-CN" altLang="zh-TW" sz="5400" b="1" dirty="0">
-                <a:solidFill>
-                  <a:srgbClr val="002060"/>
-                </a:solidFill>
-                <a:latin typeface="Microsoft JhengHei" panose="020B0604030504040204" pitchFamily="34" charset="-120"/>
-                <a:ea typeface="Microsoft JhengHei" panose="020B0604030504040204" pitchFamily="34" charset="-120"/>
-              </a:rPr>
-              <a:t>主與我同</a:t>
-            </a:r>
-            <a:r>
-              <a:rPr lang="zh-CN" altLang="zh-TW" sz="5400" b="1" dirty="0">
-                <a:solidFill>
-                  <a:srgbClr val="002060"/>
-                </a:solidFill>
-                <a:latin typeface="Microsoft JhengHei" panose="020B0604030504040204" pitchFamily="34" charset="-120"/>
-                <a:ea typeface="Microsoft JhengHei" panose="020B0604030504040204" pitchFamily="34" charset="-120"/>
-              </a:rPr>
-              <a:t>住</a:t>
-            </a:r>
-            <a:endParaRPr lang="zh-CN" altLang="zh-TW" sz="5400" b="1" dirty="0">
-              <a:solidFill>
-                <a:srgbClr val="002060"/>
-              </a:solidFill>
-              <a:latin typeface="Microsoft JhengHei" panose="020B0604030504040204" pitchFamily="34" charset="-120"/>
-              <a:ea typeface="Microsoft JhengHei" panose="020B0604030504040204" pitchFamily="34" charset="-120"/>
-            </a:endParaRPr>
+              <a:t>求主與我同住</a:t>
+            </a:r>
           </a:p>
         </p:txBody>
       </p:sp>
@@ -5211,13 +4842,20 @@
     </p:spTree>
     <p:extLst>
       <p:ext uri="{BB962C8B-B14F-4D97-AF65-F5344CB8AC3E}">
-        <p14:creationId xmlns:p14="http://schemas.microsoft.com/office/powerpoint/2010/main" val="2580440805"/>
+        <p14:creationId xmlns:p14="http://schemas.microsoft.com/office/powerpoint/2010/main" xmlns="" val="2580440805"/>
       </p:ext>
     </p:extLst>
   </p:cSld>
   <p:clrMapOvr>
     <a:masterClrMapping/>
   </p:clrMapOvr>
+  <p:timing>
+    <p:tnLst>
+      <p:par>
+        <p:cTn id="1" dur="indefinite" restart="never" nodeType="tmRoot"/>
+      </p:par>
+    </p:tnLst>
+  </p:timing>
 </p:sld>
 </file>
 
@@ -5309,6 +4947,16 @@
               <a:buNone/>
             </a:pPr>
             <a:r>
+              <a:rPr lang="zh-CN" altLang="zh-TW" sz="5400" b="1" smtClean="0">
+                <a:solidFill>
+                  <a:srgbClr val="002060"/>
+                </a:solidFill>
+                <a:latin typeface="Microsoft JhengHei" panose="020B0604030504040204" pitchFamily="34" charset="-120"/>
+                <a:ea typeface="Microsoft JhengHei" panose="020B0604030504040204" pitchFamily="34" charset="-120"/>
+              </a:rPr>
+              <a:t>我臨終</a:t>
+            </a:r>
+            <a:r>
               <a:rPr lang="zh-CN" altLang="zh-TW" sz="5400" b="1" dirty="0">
                 <a:solidFill>
                   <a:srgbClr val="002060"/>
@@ -5316,7 +4964,17 @@
                 <a:latin typeface="Microsoft JhengHei" panose="020B0604030504040204" pitchFamily="34" charset="-120"/>
                 <a:ea typeface="Microsoft JhengHei" panose="020B0604030504040204" pitchFamily="34" charset="-120"/>
               </a:rPr>
-              <a:t>主臨終</a:t>
+              <a:t>日</a:t>
+            </a:r>
+            <a:r>
+              <a:rPr lang="en-US" altLang="zh-CN" sz="5400" b="1" dirty="0">
+                <a:solidFill>
+                  <a:srgbClr val="002060"/>
+                </a:solidFill>
+                <a:latin typeface="Microsoft JhengHei" panose="020B0604030504040204" pitchFamily="34" charset="-120"/>
+                <a:ea typeface="Microsoft JhengHei" panose="020B0604030504040204" pitchFamily="34" charset="-120"/>
+              </a:rPr>
+              <a:t>  </a:t>
             </a:r>
             <a:r>
               <a:rPr lang="zh-CN" altLang="zh-TW" sz="5400" b="1" dirty="0">
@@ -5326,7 +4984,22 @@
                 <a:latin typeface="Microsoft JhengHei" panose="020B0604030504040204" pitchFamily="34" charset="-120"/>
                 <a:ea typeface="Microsoft JhengHei" panose="020B0604030504040204" pitchFamily="34" charset="-120"/>
               </a:rPr>
-              <a:t>日</a:t>
+              <a:t>求主寶架引我</a:t>
+            </a:r>
+          </a:p>
+          <a:p>
+            <a:pPr marL="0" indent="0" algn="ctr">
+              <a:buNone/>
+            </a:pPr>
+            <a:r>
+              <a:rPr lang="zh-CN" altLang="zh-TW" sz="5400" b="1" dirty="0">
+                <a:solidFill>
+                  <a:srgbClr val="002060"/>
+                </a:solidFill>
+                <a:latin typeface="Microsoft JhengHei" panose="020B0604030504040204" pitchFamily="34" charset="-120"/>
+                <a:ea typeface="Microsoft JhengHei" panose="020B0604030504040204" pitchFamily="34" charset="-120"/>
+              </a:rPr>
+              <a:t>暗裏發光</a:t>
             </a:r>
             <a:r>
               <a:rPr lang="en-US" altLang="zh-CN" sz="5400" b="1" dirty="0">
@@ -5346,82 +5019,7 @@
                 <a:latin typeface="Microsoft JhengHei" panose="020B0604030504040204" pitchFamily="34" charset="-120"/>
                 <a:ea typeface="Microsoft JhengHei" panose="020B0604030504040204" pitchFamily="34" charset="-120"/>
               </a:rPr>
-              <a:t>求</a:t>
-            </a:r>
-            <a:r>
-              <a:rPr lang="zh-CN" altLang="zh-TW" sz="5400" b="1" dirty="0">
-                <a:solidFill>
-                  <a:srgbClr val="002060"/>
-                </a:solidFill>
-                <a:latin typeface="Microsoft JhengHei" panose="020B0604030504040204" pitchFamily="34" charset="-120"/>
-                <a:ea typeface="Microsoft JhengHei" panose="020B0604030504040204" pitchFamily="34" charset="-120"/>
-              </a:rPr>
-              <a:t>主寶架引我</a:t>
-            </a:r>
-          </a:p>
-          <a:p>
-            <a:pPr marL="0" indent="0" algn="ctr">
-              <a:buNone/>
-            </a:pPr>
-            <a:r>
-              <a:rPr lang="zh-CN" altLang="zh-TW" sz="5400" b="1" dirty="0">
-                <a:solidFill>
-                  <a:srgbClr val="002060"/>
-                </a:solidFill>
-                <a:latin typeface="Microsoft JhengHei" panose="020B0604030504040204" pitchFamily="34" charset="-120"/>
-                <a:ea typeface="Microsoft JhengHei" panose="020B0604030504040204" pitchFamily="34" charset="-120"/>
-              </a:rPr>
-              <a:t>暗裏發</a:t>
-            </a:r>
-            <a:r>
-              <a:rPr lang="zh-CN" altLang="zh-TW" sz="5400" b="1" dirty="0">
-                <a:solidFill>
-                  <a:srgbClr val="002060"/>
-                </a:solidFill>
-                <a:latin typeface="Microsoft JhengHei" panose="020B0604030504040204" pitchFamily="34" charset="-120"/>
-                <a:ea typeface="Microsoft JhengHei" panose="020B0604030504040204" pitchFamily="34" charset="-120"/>
-              </a:rPr>
-              <a:t>光</a:t>
-            </a:r>
-            <a:r>
-              <a:rPr lang="en-US" altLang="zh-CN" sz="5400" b="1" dirty="0">
-                <a:solidFill>
-                  <a:srgbClr val="002060"/>
-                </a:solidFill>
-                <a:latin typeface="Microsoft JhengHei" panose="020B0604030504040204" pitchFamily="34" charset="-120"/>
-                <a:ea typeface="Microsoft JhengHei" panose="020B0604030504040204" pitchFamily="34" charset="-120"/>
-              </a:rPr>
-              <a:t>  </a:t>
-            </a:r>
-            <a:r>
-              <a:rPr lang="zh-CN" altLang="zh-TW" sz="5400" b="1" dirty="0">
-                <a:solidFill>
-                  <a:srgbClr val="002060"/>
-                </a:solidFill>
-                <a:latin typeface="Microsoft JhengHei" panose="020B0604030504040204" pitchFamily="34" charset="-120"/>
-                <a:ea typeface="Microsoft JhengHei" panose="020B0604030504040204" pitchFamily="34" charset="-120"/>
-              </a:rPr>
-              <a:t>照</a:t>
-            </a:r>
-            <a:r>
-              <a:rPr lang="zh-CN" altLang="zh-TW" sz="5400" b="1" dirty="0">
-                <a:solidFill>
-                  <a:srgbClr val="002060"/>
-                </a:solidFill>
-                <a:latin typeface="Microsoft JhengHei" panose="020B0604030504040204" pitchFamily="34" charset="-120"/>
-                <a:ea typeface="Microsoft JhengHei" panose="020B0604030504040204" pitchFamily="34" charset="-120"/>
-              </a:rPr>
-              <a:t>我天路穩</a:t>
-            </a:r>
-            <a:r>
-              <a:rPr lang="zh-CN" altLang="zh-TW" sz="5400" b="1" dirty="0">
-                <a:solidFill>
-                  <a:srgbClr val="002060"/>
-                </a:solidFill>
-                <a:latin typeface="Microsoft JhengHei" panose="020B0604030504040204" pitchFamily="34" charset="-120"/>
-                <a:ea typeface="Microsoft JhengHei" panose="020B0604030504040204" pitchFamily="34" charset="-120"/>
-              </a:rPr>
-              <a:t>妥</a:t>
+              <a:t>照我天路穩妥</a:t>
             </a:r>
             <a:endParaRPr lang="en-US" altLang="zh-CN" sz="5400" b="1" dirty="0">
               <a:solidFill>
@@ -5443,8 +5041,13 @@
                 <a:latin typeface="Microsoft JhengHei" panose="020B0604030504040204" pitchFamily="34" charset="-120"/>
                 <a:ea typeface="Microsoft JhengHei" panose="020B0604030504040204" pitchFamily="34" charset="-120"/>
               </a:rPr>
-              <a:t>天堂在</a:t>
-            </a:r>
+              <a:t>天堂在目幽暗烏雲全無</a:t>
+            </a:r>
+          </a:p>
+          <a:p>
+            <a:pPr marL="0" indent="0" algn="ctr">
+              <a:buNone/>
+            </a:pPr>
             <a:r>
               <a:rPr lang="zh-CN" altLang="zh-TW" sz="5400" b="1" dirty="0">
                 <a:solidFill>
@@ -5453,7 +5056,17 @@
                 <a:latin typeface="Microsoft JhengHei" panose="020B0604030504040204" pitchFamily="34" charset="-120"/>
                 <a:ea typeface="Microsoft JhengHei" panose="020B0604030504040204" pitchFamily="34" charset="-120"/>
               </a:rPr>
-              <a:t>目幽</a:t>
+              <a:t>或生或死</a:t>
+            </a:r>
+            <a:r>
+              <a:rPr lang="en-US" altLang="zh-CN" sz="5400" b="1" dirty="0">
+                <a:solidFill>
+                  <a:srgbClr val="002060"/>
+                </a:solidFill>
+                <a:latin typeface="Microsoft JhengHei" panose="020B0604030504040204" pitchFamily="34" charset="-120"/>
+                <a:ea typeface="Microsoft JhengHei" panose="020B0604030504040204" pitchFamily="34" charset="-120"/>
+              </a:rPr>
+              <a:t>  </a:t>
             </a:r>
             <a:r>
               <a:rPr lang="zh-CN" altLang="zh-TW" sz="5400" b="1" dirty="0">
@@ -5463,80 +5076,8 @@
                 <a:latin typeface="Microsoft JhengHei" panose="020B0604030504040204" pitchFamily="34" charset="-120"/>
                 <a:ea typeface="Microsoft JhengHei" panose="020B0604030504040204" pitchFamily="34" charset="-120"/>
               </a:rPr>
-              <a:t>暗烏雲全無</a:t>
-            </a:r>
-          </a:p>
-          <a:p>
-            <a:pPr marL="0" indent="0" algn="ctr">
-              <a:buNone/>
-            </a:pPr>
-            <a:r>
-              <a:rPr lang="zh-CN" altLang="zh-TW" sz="5400" b="1" dirty="0">
-                <a:solidFill>
-                  <a:srgbClr val="002060"/>
-                </a:solidFill>
-                <a:latin typeface="Microsoft JhengHei" panose="020B0604030504040204" pitchFamily="34" charset="-120"/>
-                <a:ea typeface="Microsoft JhengHei" panose="020B0604030504040204" pitchFamily="34" charset="-120"/>
-              </a:rPr>
-              <a:t>或生或</a:t>
-            </a:r>
-            <a:r>
-              <a:rPr lang="zh-CN" altLang="zh-TW" sz="5400" b="1" dirty="0">
-                <a:solidFill>
-                  <a:srgbClr val="002060"/>
-                </a:solidFill>
-                <a:latin typeface="Microsoft JhengHei" panose="020B0604030504040204" pitchFamily="34" charset="-120"/>
-                <a:ea typeface="Microsoft JhengHei" panose="020B0604030504040204" pitchFamily="34" charset="-120"/>
-              </a:rPr>
-              <a:t>死</a:t>
-            </a:r>
-            <a:r>
-              <a:rPr lang="en-US" altLang="zh-CN" sz="5400" b="1" dirty="0">
-                <a:solidFill>
-                  <a:srgbClr val="002060"/>
-                </a:solidFill>
-                <a:latin typeface="Microsoft JhengHei" panose="020B0604030504040204" pitchFamily="34" charset="-120"/>
-                <a:ea typeface="Microsoft JhengHei" panose="020B0604030504040204" pitchFamily="34" charset="-120"/>
-              </a:rPr>
-              <a:t>  </a:t>
-            </a:r>
-            <a:r>
-              <a:rPr lang="zh-CN" altLang="zh-TW" sz="5400" b="1" dirty="0">
-                <a:solidFill>
-                  <a:srgbClr val="002060"/>
-                </a:solidFill>
-                <a:latin typeface="Microsoft JhengHei" panose="020B0604030504040204" pitchFamily="34" charset="-120"/>
-                <a:ea typeface="Microsoft JhengHei" panose="020B0604030504040204" pitchFamily="34" charset="-120"/>
-              </a:rPr>
-              <a:t>求</a:t>
-            </a:r>
-            <a:r>
-              <a:rPr lang="zh-CN" altLang="zh-TW" sz="5400" b="1" dirty="0">
-                <a:solidFill>
-                  <a:srgbClr val="002060"/>
-                </a:solidFill>
-                <a:latin typeface="Microsoft JhengHei" panose="020B0604030504040204" pitchFamily="34" charset="-120"/>
-                <a:ea typeface="Microsoft JhengHei" panose="020B0604030504040204" pitchFamily="34" charset="-120"/>
-              </a:rPr>
-              <a:t>主與我同</a:t>
-            </a:r>
-            <a:r>
-              <a:rPr lang="zh-CN" altLang="zh-TW" sz="5400" b="1" dirty="0">
-                <a:solidFill>
-                  <a:srgbClr val="002060"/>
-                </a:solidFill>
-                <a:latin typeface="Microsoft JhengHei" panose="020B0604030504040204" pitchFamily="34" charset="-120"/>
-                <a:ea typeface="Microsoft JhengHei" panose="020B0604030504040204" pitchFamily="34" charset="-120"/>
-              </a:rPr>
-              <a:t>住</a:t>
-            </a:r>
-            <a:endParaRPr lang="zh-CN" altLang="zh-TW" sz="5400" b="1" dirty="0">
-              <a:solidFill>
-                <a:srgbClr val="002060"/>
-              </a:solidFill>
-              <a:latin typeface="Microsoft JhengHei" panose="020B0604030504040204" pitchFamily="34" charset="-120"/>
-              <a:ea typeface="Microsoft JhengHei" panose="020B0604030504040204" pitchFamily="34" charset="-120"/>
-            </a:endParaRPr>
+              <a:t>求主與我同住</a:t>
+            </a:r>
           </a:p>
         </p:txBody>
       </p:sp>
@@ -5594,13 +5135,20 @@
     </p:spTree>
     <p:extLst>
       <p:ext uri="{BB962C8B-B14F-4D97-AF65-F5344CB8AC3E}">
-        <p14:creationId xmlns:p14="http://schemas.microsoft.com/office/powerpoint/2010/main" val="1270310305"/>
+        <p14:creationId xmlns:p14="http://schemas.microsoft.com/office/powerpoint/2010/main" xmlns="" val="1270310305"/>
       </p:ext>
     </p:extLst>
   </p:cSld>
   <p:clrMapOvr>
     <a:masterClrMapping/>
   </p:clrMapOvr>
+  <p:timing>
+    <p:tnLst>
+      <p:par>
+        <p:cTn id="1" dur="indefinite" restart="never" nodeType="tmRoot"/>
+      </p:par>
+    </p:tnLst>
+  </p:timing>
 </p:sld>
 </file>
 
@@ -5886,7 +5434,7 @@
   <a:extraClrSchemeLst/>
   <a:extLst>
     <a:ext uri="{05A4C25C-085E-4340-85A3-A5531E510DB2}">
-      <thm15:themeFamily xmlns:thm15="http://schemas.microsoft.com/office/thememl/2012/main" name="Theme1" id="{1A8DE197-990E-4893-BF04-3823FBB50F9A}" vid="{430B7048-5A04-4BDB-939A-C7E865DB887B}"/>
+      <thm15:themeFamily xmlns:thm15="http://schemas.microsoft.com/office/thememl/2012/main" xmlns="" name="Theme1" id="{1A8DE197-990E-4893-BF04-3823FBB50F9A}" vid="{430B7048-5A04-4BDB-939A-C7E865DB887B}"/>
     </a:ext>
   </a:extLst>
 </a:theme>
@@ -6174,7 +5722,7 @@
   <a:extraClrSchemeLst/>
   <a:extLst>
     <a:ext uri="{05A4C25C-085E-4340-85A3-A5531E510DB2}">
-      <thm15:themeFamily xmlns:thm15="http://schemas.microsoft.com/office/thememl/2012/main" name="Office Theme" id="{62F939B6-93AF-4DB8-9C6B-D6C7DFDC589F}" vid="{4A3C46E8-61CC-4603-A589-7422A47A8E4A}"/>
+      <thm15:themeFamily xmlns:thm15="http://schemas.microsoft.com/office/thememl/2012/main" xmlns="" name="Office Theme" id="{62F939B6-93AF-4DB8-9C6B-D6C7DFDC589F}" vid="{4A3C46E8-61CC-4603-A589-7422A47A8E4A}"/>
     </a:ext>
   </a:extLst>
 </a:theme>
@@ -6435,7 +5983,7 @@
   <a:extraClrSchemeLst/>
   <a:extLst>
     <a:ext uri="{05A4C25C-085E-4340-85A3-A5531E510DB2}">
-      <thm15:themeFamily xmlns:thm15="http://schemas.microsoft.com/office/thememl/2012/main" name="Office Theme" id="{62F939B6-93AF-4DB8-9C6B-D6C7DFDC589F}" vid="{4A3C46E8-61CC-4603-A589-7422A47A8E4A}"/>
+      <thm15:themeFamily xmlns:thm15="http://schemas.microsoft.com/office/thememl/2012/main" xmlns="" name="Office Theme" id="{62F939B6-93AF-4DB8-9C6B-D6C7DFDC589F}" vid="{4A3C46E8-61CC-4603-A589-7422A47A8E4A}"/>
     </a:ext>
   </a:extLst>
 </a:theme>
